--- a/figs/distinction.pptx
+++ b/figs/distinction.pptx
@@ -104,6 +104,11 @@
       </a:defRPr>
     </a:lvl9pPr>
   </p:defaultTextStyle>
+  <p:extLst>
+    <p:ext uri="{EFAFB233-063F-42B5-8137-9DF3F51BA10A}">
+      <p15:sldGuideLst xmlns:p15="http://schemas.microsoft.com/office/powerpoint/2012/main"/>
+    </p:ext>
+  </p:extLst>
 </p:presentation>
 </file>
 
@@ -238,7 +243,7 @@
           <a:p>
             <a:fld id="{6B15D87D-34B5-4ABB-ACA0-890F607DAF9A}" type="datetimeFigureOut">
               <a:rPr lang="en-US" smtClean="0"/>
-              <a:t>5/5/2015</a:t>
+              <a:t>5/6/2015</a:t>
             </a:fld>
             <a:endParaRPr lang="en-US"/>
           </a:p>
@@ -408,7 +413,7 @@
           <a:p>
             <a:fld id="{6B15D87D-34B5-4ABB-ACA0-890F607DAF9A}" type="datetimeFigureOut">
               <a:rPr lang="en-US" smtClean="0"/>
-              <a:t>5/5/2015</a:t>
+              <a:t>5/6/2015</a:t>
             </a:fld>
             <a:endParaRPr lang="en-US"/>
           </a:p>
@@ -588,7 +593,7 @@
           <a:p>
             <a:fld id="{6B15D87D-34B5-4ABB-ACA0-890F607DAF9A}" type="datetimeFigureOut">
               <a:rPr lang="en-US" smtClean="0"/>
-              <a:t>5/5/2015</a:t>
+              <a:t>5/6/2015</a:t>
             </a:fld>
             <a:endParaRPr lang="en-US"/>
           </a:p>
@@ -758,7 +763,7 @@
           <a:p>
             <a:fld id="{6B15D87D-34B5-4ABB-ACA0-890F607DAF9A}" type="datetimeFigureOut">
               <a:rPr lang="en-US" smtClean="0"/>
-              <a:t>5/5/2015</a:t>
+              <a:t>5/6/2015</a:t>
             </a:fld>
             <a:endParaRPr lang="en-US"/>
           </a:p>
@@ -1004,7 +1009,7 @@
           <a:p>
             <a:fld id="{6B15D87D-34B5-4ABB-ACA0-890F607DAF9A}" type="datetimeFigureOut">
               <a:rPr lang="en-US" smtClean="0"/>
-              <a:t>5/5/2015</a:t>
+              <a:t>5/6/2015</a:t>
             </a:fld>
             <a:endParaRPr lang="en-US"/>
           </a:p>
@@ -1236,7 +1241,7 @@
           <a:p>
             <a:fld id="{6B15D87D-34B5-4ABB-ACA0-890F607DAF9A}" type="datetimeFigureOut">
               <a:rPr lang="en-US" smtClean="0"/>
-              <a:t>5/5/2015</a:t>
+              <a:t>5/6/2015</a:t>
             </a:fld>
             <a:endParaRPr lang="en-US"/>
           </a:p>
@@ -1603,7 +1608,7 @@
           <a:p>
             <a:fld id="{6B15D87D-34B5-4ABB-ACA0-890F607DAF9A}" type="datetimeFigureOut">
               <a:rPr lang="en-US" smtClean="0"/>
-              <a:t>5/5/2015</a:t>
+              <a:t>5/6/2015</a:t>
             </a:fld>
             <a:endParaRPr lang="en-US"/>
           </a:p>
@@ -1721,7 +1726,7 @@
           <a:p>
             <a:fld id="{6B15D87D-34B5-4ABB-ACA0-890F607DAF9A}" type="datetimeFigureOut">
               <a:rPr lang="en-US" smtClean="0"/>
-              <a:t>5/5/2015</a:t>
+              <a:t>5/6/2015</a:t>
             </a:fld>
             <a:endParaRPr lang="en-US"/>
           </a:p>
@@ -1816,7 +1821,7 @@
           <a:p>
             <a:fld id="{6B15D87D-34B5-4ABB-ACA0-890F607DAF9A}" type="datetimeFigureOut">
               <a:rPr lang="en-US" smtClean="0"/>
-              <a:t>5/5/2015</a:t>
+              <a:t>5/6/2015</a:t>
             </a:fld>
             <a:endParaRPr lang="en-US"/>
           </a:p>
@@ -2093,7 +2098,7 @@
           <a:p>
             <a:fld id="{6B15D87D-34B5-4ABB-ACA0-890F607DAF9A}" type="datetimeFigureOut">
               <a:rPr lang="en-US" smtClean="0"/>
-              <a:t>5/5/2015</a:t>
+              <a:t>5/6/2015</a:t>
             </a:fld>
             <a:endParaRPr lang="en-US"/>
           </a:p>
@@ -2346,7 +2351,7 @@
           <a:p>
             <a:fld id="{6B15D87D-34B5-4ABB-ACA0-890F607DAF9A}" type="datetimeFigureOut">
               <a:rPr lang="en-US" smtClean="0"/>
-              <a:t>5/5/2015</a:t>
+              <a:t>5/6/2015</a:t>
             </a:fld>
             <a:endParaRPr lang="en-US"/>
           </a:p>
@@ -2559,7 +2564,7 @@
           <a:p>
             <a:fld id="{6B15D87D-34B5-4ABB-ACA0-890F607DAF9A}" type="datetimeFigureOut">
               <a:rPr lang="en-US" smtClean="0"/>
-              <a:t>5/5/2015</a:t>
+              <a:t>5/6/2015</a:t>
             </a:fld>
             <a:endParaRPr lang="en-US"/>
           </a:p>
@@ -2972,7 +2977,7 @@
         </p:nvSpPr>
         <p:spPr>
           <a:xfrm>
-            <a:off x="2971800" y="3188324"/>
+            <a:off x="3350934" y="3188324"/>
             <a:ext cx="630301" cy="369332"/>
           </a:xfrm>
           <a:prstGeom prst="rect">
@@ -3002,7 +3007,7 @@
         </p:nvSpPr>
         <p:spPr>
           <a:xfrm>
-            <a:off x="1464906" y="3694922"/>
+            <a:off x="1844040" y="3694922"/>
             <a:ext cx="1138335" cy="429209"/>
           </a:xfrm>
           <a:prstGeom prst="rect">
@@ -3031,14 +3036,14 @@
           <a:p>
             <a:pPr algn="ctr"/>
             <a:r>
-              <a:rPr lang="en-US" dirty="0" smtClean="0">
+              <a:rPr lang="en-US" b="1" dirty="0" smtClean="0">
                 <a:solidFill>
                   <a:schemeClr val="tx1"/>
                 </a:solidFill>
               </a:rPr>
               <a:t>Device</a:t>
             </a:r>
-            <a:endParaRPr lang="en-US" dirty="0">
+            <a:endParaRPr lang="en-US" b="1" dirty="0">
               <a:solidFill>
                 <a:schemeClr val="tx1"/>
               </a:solidFill>
@@ -3054,7 +3059,7 @@
         </p:nvSpPr>
         <p:spPr>
           <a:xfrm>
-            <a:off x="1464905" y="1356048"/>
+            <a:off x="1844039" y="1356048"/>
             <a:ext cx="1138335" cy="463421"/>
           </a:xfrm>
           <a:prstGeom prst="rect">
@@ -3123,7 +3128,7 @@
         </p:nvCxnSpPr>
         <p:spPr>
           <a:xfrm flipV="1">
-            <a:off x="1660849" y="1819469"/>
+            <a:off x="2039983" y="1819469"/>
             <a:ext cx="0" cy="1875453"/>
           </a:xfrm>
           <a:prstGeom prst="straightConnector1">
@@ -3161,7 +3166,7 @@
             </p:nvSpPr>
             <p:spPr>
               <a:xfrm>
-                <a:off x="682992" y="2428576"/>
+                <a:off x="1062126" y="2428576"/>
                 <a:ext cx="1024511" cy="738664"/>
               </a:xfrm>
               <a:prstGeom prst="rect">
@@ -3240,7 +3245,7 @@
             </p:nvSpPr>
             <p:spPr>
               <a:xfrm>
-                <a:off x="682992" y="2428576"/>
+                <a:off x="1062126" y="2428576"/>
                 <a:ext cx="1024511" cy="738664"/>
               </a:xfrm>
               <a:prstGeom prst="rect">
@@ -3276,8 +3281,8 @@
         </p:nvSpPr>
         <p:spPr>
           <a:xfrm>
-            <a:off x="1856793" y="2233976"/>
-            <a:ext cx="1138335" cy="394570"/>
+            <a:off x="2235927" y="2233976"/>
+            <a:ext cx="1176683" cy="394570"/>
           </a:xfrm>
           <a:prstGeom prst="rect">
             <a:avLst/>
@@ -3334,7 +3339,7 @@
         </p:nvSpPr>
         <p:spPr>
           <a:xfrm>
-            <a:off x="2174033" y="1829437"/>
+            <a:off x="2553167" y="1829437"/>
             <a:ext cx="139959" cy="404539"/>
           </a:xfrm>
           <a:prstGeom prst="downArrow">
@@ -3377,8 +3382,8 @@
         </p:nvSpPr>
         <p:spPr>
           <a:xfrm>
-            <a:off x="1856793" y="3026444"/>
-            <a:ext cx="1138335" cy="394570"/>
+            <a:off x="2235927" y="3026444"/>
+            <a:ext cx="1196303" cy="394570"/>
           </a:xfrm>
           <a:prstGeom prst="rect">
             <a:avLst/>
@@ -3417,7 +3422,15 @@
                   <a:schemeClr val="tx1"/>
                 </a:solidFill>
               </a:rPr>
-              <a:t>Refinement 2</a:t>
+              <a:t>Refinement </a:t>
+            </a:r>
+            <a:r>
+              <a:rPr lang="en-US" sz="1400" dirty="0" smtClean="0">
+                <a:solidFill>
+                  <a:schemeClr val="tx1"/>
+                </a:solidFill>
+              </a:rPr>
+              <a:t>N</a:t>
             </a:r>
             <a:endParaRPr lang="en-US" sz="1400" dirty="0">
               <a:solidFill>
@@ -3429,21 +3442,18 @@
       </p:sp>
       <p:sp>
         <p:nvSpPr>
-          <p:cNvPr id="12" name="下箭头 11"/>
+          <p:cNvPr id="13" name="圆角矩形 12"/>
           <p:cNvSpPr/>
           <p:nvPr/>
         </p:nvSpPr>
         <p:spPr>
           <a:xfrm>
-            <a:off x="2174032" y="2628546"/>
-            <a:ext cx="139960" cy="374870"/>
-          </a:xfrm>
-          <a:prstGeom prst="downArrow">
+            <a:off x="5503812" y="3006643"/>
+            <a:ext cx="1073020" cy="429209"/>
+          </a:xfrm>
+          <a:prstGeom prst="roundRect">
             <a:avLst/>
           </a:prstGeom>
-          <a:solidFill>
-            <a:srgbClr val="FF0000"/>
-          </a:solidFill>
         </p:spPr>
         <p:style>
           <a:lnRef idx="2">
@@ -3466,19 +3476,130 @@
           <a:lstStyle/>
           <a:p>
             <a:pPr algn="ctr"/>
-            <a:endParaRPr lang="en-US"/>
-          </a:p>
-        </p:txBody>
-      </p:sp>
-      <p:sp>
-        <p:nvSpPr>
-          <p:cNvPr id="13" name="圆角矩形 12"/>
+            <a:r>
+              <a:rPr lang="en-US" sz="1400" dirty="0">
+                <a:solidFill>
+                  <a:schemeClr val="tx1"/>
+                </a:solidFill>
+              </a:rPr>
+              <a:t>Heart</a:t>
+            </a:r>
+          </a:p>
+          <a:p>
+            <a:pPr algn="ctr"/>
+            <a:r>
+              <a:rPr lang="en-US" sz="1400" dirty="0">
+                <a:solidFill>
+                  <a:schemeClr val="tx1"/>
+                </a:solidFill>
+              </a:rPr>
+              <a:t>Condition </a:t>
+            </a:r>
+            <a:r>
+              <a:rPr lang="en-US" sz="1400" dirty="0" smtClean="0">
+                <a:solidFill>
+                  <a:schemeClr val="tx1"/>
+                </a:solidFill>
+              </a:rPr>
+              <a:t>2</a:t>
+            </a:r>
+            <a:endParaRPr lang="en-US" sz="1400" dirty="0">
+              <a:solidFill>
+                <a:schemeClr val="tx1"/>
+              </a:solidFill>
+            </a:endParaRPr>
+          </a:p>
+        </p:txBody>
+      </p:sp>
+      <p:sp>
+        <p:nvSpPr>
+          <p:cNvPr id="14" name="文本框 13"/>
+          <p:cNvSpPr txBox="1"/>
+          <p:nvPr/>
+        </p:nvSpPr>
+        <p:spPr>
+          <a:xfrm>
+            <a:off x="2663150" y="1783237"/>
+            <a:ext cx="1375569" cy="461665"/>
+          </a:xfrm>
+          <a:prstGeom prst="rect">
+            <a:avLst/>
+          </a:prstGeom>
+          <a:noFill/>
+        </p:spPr>
+        <p:txBody>
+          <a:bodyPr wrap="none" rtlCol="0">
+            <a:spAutoFit/>
+          </a:bodyPr>
+          <a:lstStyle/>
+          <a:p>
+            <a:pPr algn="ctr"/>
+            <a:r>
+              <a:rPr lang="en-US" sz="1200" dirty="0" smtClean="0"/>
+              <a:t>Spurious </a:t>
+            </a:r>
+          </a:p>
+          <a:p>
+            <a:pPr algn="ctr"/>
+            <a:r>
+              <a:rPr lang="en-US" sz="1200" dirty="0" smtClean="0"/>
+              <a:t>Counter-example 1</a:t>
+            </a:r>
+            <a:endParaRPr lang="en-US" sz="1200" dirty="0"/>
+          </a:p>
+        </p:txBody>
+      </p:sp>
+      <p:sp>
+        <p:nvSpPr>
+          <p:cNvPr id="15" name="文本框 14"/>
+          <p:cNvSpPr txBox="1"/>
+          <p:nvPr/>
+        </p:nvSpPr>
+        <p:spPr>
+          <a:xfrm>
+            <a:off x="2612726" y="2588406"/>
+            <a:ext cx="1396409" cy="461665"/>
+          </a:xfrm>
+          <a:prstGeom prst="rect">
+            <a:avLst/>
+          </a:prstGeom>
+          <a:noFill/>
+        </p:spPr>
+        <p:txBody>
+          <a:bodyPr wrap="none" rtlCol="0">
+            <a:spAutoFit/>
+          </a:bodyPr>
+          <a:lstStyle/>
+          <a:p>
+            <a:pPr algn="ctr"/>
+            <a:r>
+              <a:rPr lang="en-US" sz="1200" dirty="0" smtClean="0"/>
+              <a:t>Spurious </a:t>
+            </a:r>
+          </a:p>
+          <a:p>
+            <a:pPr algn="ctr"/>
+            <a:r>
+              <a:rPr lang="en-US" sz="1200" dirty="0" smtClean="0"/>
+              <a:t>Counter-example </a:t>
+            </a:r>
+            <a:r>
+              <a:rPr lang="en-US" sz="1200" dirty="0" smtClean="0"/>
+              <a:t>N</a:t>
+            </a:r>
+            <a:endParaRPr lang="en-US" sz="1200" dirty="0"/>
+          </a:p>
+        </p:txBody>
+      </p:sp>
+      <p:sp>
+        <p:nvSpPr>
+          <p:cNvPr id="16" name="圆角矩形 15"/>
           <p:cNvSpPr/>
           <p:nvPr/>
         </p:nvSpPr>
         <p:spPr>
           <a:xfrm>
-            <a:off x="5262465" y="2997117"/>
+            <a:off x="6775886" y="3006643"/>
             <a:ext cx="1073020" cy="429209"/>
           </a:xfrm>
           <a:prstGeom prst="roundRect">
@@ -3523,96 +3644,33 @@
                   <a:schemeClr val="tx1"/>
                 </a:solidFill>
               </a:rPr>
-              <a:t>Condition 1</a:t>
-            </a:r>
-          </a:p>
-        </p:txBody>
-      </p:sp>
-      <p:sp>
-        <p:nvSpPr>
-          <p:cNvPr id="14" name="文本框 13"/>
-          <p:cNvSpPr txBox="1"/>
-          <p:nvPr/>
-        </p:nvSpPr>
-        <p:spPr>
-          <a:xfrm>
-            <a:off x="2284016" y="1783237"/>
-            <a:ext cx="1375569" cy="461665"/>
-          </a:xfrm>
-          <a:prstGeom prst="rect">
-            <a:avLst/>
-          </a:prstGeom>
-          <a:noFill/>
-        </p:spPr>
-        <p:txBody>
-          <a:bodyPr wrap="none" rtlCol="0">
-            <a:spAutoFit/>
-          </a:bodyPr>
-          <a:lstStyle/>
-          <a:p>
-            <a:pPr algn="ctr"/>
-            <a:r>
-              <a:rPr lang="en-US" sz="1200" dirty="0" smtClean="0"/>
-              <a:t>Spurious </a:t>
-            </a:r>
-          </a:p>
-          <a:p>
-            <a:pPr algn="ctr"/>
-            <a:r>
-              <a:rPr lang="en-US" sz="1200" dirty="0" smtClean="0"/>
-              <a:t>Counter-example 1</a:t>
-            </a:r>
-            <a:endParaRPr lang="en-US" sz="1200" dirty="0"/>
-          </a:p>
-        </p:txBody>
-      </p:sp>
-      <p:sp>
-        <p:nvSpPr>
-          <p:cNvPr id="15" name="文本框 14"/>
-          <p:cNvSpPr txBox="1"/>
-          <p:nvPr/>
-        </p:nvSpPr>
-        <p:spPr>
-          <a:xfrm>
-            <a:off x="2244012" y="2588406"/>
-            <a:ext cx="1375569" cy="461665"/>
-          </a:xfrm>
-          <a:prstGeom prst="rect">
-            <a:avLst/>
-          </a:prstGeom>
-          <a:noFill/>
-        </p:spPr>
-        <p:txBody>
-          <a:bodyPr wrap="none" rtlCol="0">
-            <a:spAutoFit/>
-          </a:bodyPr>
-          <a:lstStyle/>
-          <a:p>
-            <a:pPr algn="ctr"/>
-            <a:r>
-              <a:rPr lang="en-US" sz="1200" dirty="0" smtClean="0"/>
-              <a:t>Spurious </a:t>
-            </a:r>
-          </a:p>
-          <a:p>
-            <a:pPr algn="ctr"/>
-            <a:r>
-              <a:rPr lang="en-US" sz="1200" dirty="0" smtClean="0"/>
-              <a:t>Counter-example 2</a:t>
-            </a:r>
-            <a:endParaRPr lang="en-US" sz="1200" dirty="0"/>
-          </a:p>
-        </p:txBody>
-      </p:sp>
-      <p:sp>
-        <p:nvSpPr>
-          <p:cNvPr id="16" name="圆角矩形 15"/>
+              <a:t>Condition </a:t>
+            </a:r>
+            <a:r>
+              <a:rPr lang="en-US" sz="1400" dirty="0" smtClean="0">
+                <a:solidFill>
+                  <a:schemeClr val="tx1"/>
+                </a:solidFill>
+              </a:rPr>
+              <a:t>3</a:t>
+            </a:r>
+            <a:endParaRPr lang="en-US" sz="1400" dirty="0">
+              <a:solidFill>
+                <a:schemeClr val="tx1"/>
+              </a:solidFill>
+            </a:endParaRPr>
+          </a:p>
+        </p:txBody>
+      </p:sp>
+      <p:sp>
+        <p:nvSpPr>
+          <p:cNvPr id="17" name="圆角矩形 16"/>
           <p:cNvSpPr/>
           <p:nvPr/>
         </p:nvSpPr>
         <p:spPr>
           <a:xfrm>
-            <a:off x="6534539" y="2997117"/>
+            <a:off x="4270535" y="3006643"/>
             <a:ext cx="1073020" cy="429209"/>
           </a:xfrm>
           <a:prstGeom prst="roundRect">
@@ -3657,66 +3715,21 @@
                   <a:schemeClr val="tx1"/>
                 </a:solidFill>
               </a:rPr>
-              <a:t>Condition 2</a:t>
-            </a:r>
-          </a:p>
-        </p:txBody>
-      </p:sp>
-      <p:sp>
-        <p:nvSpPr>
-          <p:cNvPr id="17" name="圆角矩形 16"/>
-          <p:cNvSpPr/>
-          <p:nvPr/>
-        </p:nvSpPr>
-        <p:spPr>
-          <a:xfrm>
-            <a:off x="7806613" y="2997117"/>
-            <a:ext cx="1073020" cy="429209"/>
-          </a:xfrm>
-          <a:prstGeom prst="roundRect">
-            <a:avLst/>
-          </a:prstGeom>
-        </p:spPr>
-        <p:style>
-          <a:lnRef idx="2">
-            <a:schemeClr val="accent1">
-              <a:shade val="50000"/>
-            </a:schemeClr>
-          </a:lnRef>
-          <a:fillRef idx="1">
-            <a:schemeClr val="accent1"/>
-          </a:fillRef>
-          <a:effectRef idx="0">
-            <a:schemeClr val="accent1"/>
-          </a:effectRef>
-          <a:fontRef idx="minor">
-            <a:schemeClr val="lt1"/>
-          </a:fontRef>
-        </p:style>
-        <p:txBody>
-          <a:bodyPr rtlCol="0" anchor="ctr"/>
-          <a:lstStyle/>
-          <a:p>
-            <a:pPr algn="ctr"/>
-            <a:r>
-              <a:rPr lang="en-US" sz="1400" dirty="0">
+              <a:t>Condition </a:t>
+            </a:r>
+            <a:r>
+              <a:rPr lang="en-US" sz="1400" dirty="0" smtClean="0">
                 <a:solidFill>
                   <a:schemeClr val="tx1"/>
                 </a:solidFill>
               </a:rPr>
-              <a:t>Heart</a:t>
-            </a:r>
-          </a:p>
-          <a:p>
-            <a:pPr algn="ctr"/>
-            <a:r>
-              <a:rPr lang="en-US" sz="1400" dirty="0">
-                <a:solidFill>
-                  <a:schemeClr val="tx1"/>
-                </a:solidFill>
-              </a:rPr>
-              <a:t>Condition 3</a:t>
-            </a:r>
+              <a:t>1</a:t>
+            </a:r>
+            <a:endParaRPr lang="en-US" sz="1400" dirty="0">
+              <a:solidFill>
+                <a:schemeClr val="tx1"/>
+              </a:solidFill>
+            </a:endParaRPr>
           </a:p>
         </p:txBody>
       </p:sp>
@@ -3728,7 +3741,7 @@
         </p:nvSpPr>
         <p:spPr>
           <a:xfrm>
-            <a:off x="7806613" y="2278350"/>
+            <a:off x="6845109" y="2278350"/>
             <a:ext cx="1073020" cy="429209"/>
           </a:xfrm>
           <a:prstGeom prst="roundRect">
@@ -3786,7 +3799,7 @@
         </p:nvSpPr>
         <p:spPr>
           <a:xfrm>
-            <a:off x="5890726" y="2287876"/>
+            <a:off x="4277309" y="2297402"/>
             <a:ext cx="1073020" cy="429209"/>
           </a:xfrm>
           <a:prstGeom prst="roundRect">
@@ -3841,14 +3854,14 @@
           <p:cNvPr id="21" name="直接箭头连接符 20"/>
           <p:cNvCxnSpPr>
             <a:stCxn id="13" idx="0"/>
-            <a:endCxn id="19" idx="2"/>
+            <a:endCxn id="18" idx="2"/>
           </p:cNvCxnSpPr>
           <p:nvPr/>
         </p:nvCxnSpPr>
         <p:spPr>
           <a:xfrm flipV="1">
-            <a:off x="5798975" y="2717085"/>
-            <a:ext cx="628261" cy="280032"/>
+            <a:off x="6040322" y="2707559"/>
+            <a:ext cx="1341297" cy="299084"/>
           </a:xfrm>
           <a:prstGeom prst="straightConnector1">
             <a:avLst/>
@@ -3880,14 +3893,14 @@
           <p:cNvPr id="23" name="直接箭头连接符 22"/>
           <p:cNvCxnSpPr>
             <a:stCxn id="16" idx="0"/>
-            <a:endCxn id="19" idx="2"/>
+            <a:endCxn id="18" idx="2"/>
           </p:cNvCxnSpPr>
           <p:nvPr/>
         </p:nvCxnSpPr>
         <p:spPr>
-          <a:xfrm flipH="1" flipV="1">
-            <a:off x="6427236" y="2717085"/>
-            <a:ext cx="643813" cy="280032"/>
+          <a:xfrm flipV="1">
+            <a:off x="7312396" y="2707559"/>
+            <a:ext cx="69223" cy="299084"/>
           </a:xfrm>
           <a:prstGeom prst="straightConnector1">
             <a:avLst/>
@@ -3919,13 +3932,12 @@
           <p:cNvPr id="25" name="直接箭头连接符 24"/>
           <p:cNvCxnSpPr>
             <a:stCxn id="17" idx="0"/>
-            <a:endCxn id="18" idx="2"/>
           </p:cNvCxnSpPr>
           <p:nvPr/>
         </p:nvCxnSpPr>
         <p:spPr>
           <a:xfrm flipV="1">
-            <a:off x="8343123" y="2707559"/>
+            <a:off x="4807045" y="2717085"/>
             <a:ext cx="0" cy="289558"/>
           </a:xfrm>
           <a:prstGeom prst="straightConnector1">
@@ -3961,7 +3973,7 @@
         </p:nvSpPr>
         <p:spPr>
           <a:xfrm>
-            <a:off x="6823787" y="1621312"/>
+            <a:off x="5904457" y="1620876"/>
             <a:ext cx="1073020" cy="429209"/>
           </a:xfrm>
           <a:prstGeom prst="roundRect">
@@ -4022,8 +4034,8 @@
         </p:nvCxnSpPr>
         <p:spPr>
           <a:xfrm flipV="1">
-            <a:off x="6427236" y="2050521"/>
-            <a:ext cx="933061" cy="237355"/>
+            <a:off x="4813819" y="2050085"/>
+            <a:ext cx="1627148" cy="247317"/>
           </a:xfrm>
           <a:prstGeom prst="straightConnector1">
             <a:avLst/>
@@ -4061,8 +4073,8 @@
         </p:nvCxnSpPr>
         <p:spPr>
           <a:xfrm flipH="1" flipV="1">
-            <a:off x="7360297" y="2050521"/>
-            <a:ext cx="982826" cy="227829"/>
+            <a:off x="6440967" y="2050085"/>
+            <a:ext cx="940652" cy="228265"/>
           </a:xfrm>
           <a:prstGeom prst="straightConnector1">
             <a:avLst/>
@@ -4091,60 +4103,13 @@
       </p:cxnSp>
       <p:sp>
         <p:nvSpPr>
-          <p:cNvPr id="31" name="矩形 30"/>
-          <p:cNvSpPr/>
-          <p:nvPr/>
-        </p:nvSpPr>
-        <p:spPr>
-          <a:xfrm>
-            <a:off x="10017965" y="2545050"/>
-            <a:ext cx="1138335" cy="429209"/>
-          </a:xfrm>
-          <a:prstGeom prst="rect">
-            <a:avLst/>
-          </a:prstGeom>
-        </p:spPr>
-        <p:style>
-          <a:lnRef idx="2">
-            <a:schemeClr val="accent1">
-              <a:shade val="50000"/>
-            </a:schemeClr>
-          </a:lnRef>
-          <a:fillRef idx="1">
-            <a:schemeClr val="accent1"/>
-          </a:fillRef>
-          <a:effectRef idx="0">
-            <a:schemeClr val="accent1"/>
-          </a:effectRef>
-          <a:fontRef idx="minor">
-            <a:schemeClr val="lt1"/>
-          </a:fontRef>
-        </p:style>
-        <p:txBody>
-          <a:bodyPr rtlCol="0" anchor="ctr"/>
-          <a:lstStyle/>
-          <a:p>
-            <a:pPr algn="ctr"/>
-            <a:r>
-              <a:rPr lang="en-US" dirty="0">
-                <a:solidFill>
-                  <a:schemeClr val="tx1"/>
-                </a:solidFill>
-              </a:rPr>
-              <a:t>Device</a:t>
-            </a:r>
-          </a:p>
-        </p:txBody>
-      </p:sp>
-      <p:sp>
-        <p:nvSpPr>
           <p:cNvPr id="32" name="圆角矩形 31"/>
           <p:cNvSpPr/>
           <p:nvPr/>
         </p:nvSpPr>
         <p:spPr>
           <a:xfrm>
-            <a:off x="3990391" y="3018646"/>
+            <a:off x="7936191" y="3009124"/>
             <a:ext cx="1073020" cy="429209"/>
           </a:xfrm>
           <a:prstGeom prst="roundRect">
@@ -4216,7 +4181,7 @@
             </p:nvSpPr>
             <p:spPr>
               <a:xfrm>
-                <a:off x="6324800" y="2740723"/>
+                <a:off x="7045361" y="2749445"/>
                 <a:ext cx="283154" cy="276999"/>
               </a:xfrm>
               <a:prstGeom prst="rect">
@@ -4230,6 +4195,7 @@
               </a:bodyPr>
               <a:lstStyle/>
               <a:p>
+                <a:pPr/>
                 <a14:m>
                   <m:oMathPara xmlns:m="http://schemas.openxmlformats.org/officeDocument/2006/math">
                     <m:oMathParaPr>
@@ -4280,7 +4246,7 @@
             </p:nvSpPr>
             <p:spPr>
               <a:xfrm>
-                <a:off x="6324800" y="2740723"/>
+                <a:off x="7045361" y="2749445"/>
                 <a:ext cx="283154" cy="276999"/>
               </a:xfrm>
               <a:prstGeom prst="rect">
@@ -4289,7 +4255,7 @@
               <a:blipFill rotWithShape="0">
                 <a:blip r:embed="rId3"/>
                 <a:stretch>
-                  <a:fillRect l="-21739" r="-6522" b="-15556"/>
+                  <a:fillRect l="-21739" r="-6522" b="-17778"/>
                 </a:stretch>
               </a:blipFill>
             </p:spPr>
@@ -4318,7 +4284,7 @@
             </p:nvSpPr>
             <p:spPr>
               <a:xfrm>
-                <a:off x="7226167" y="2147477"/>
+                <a:off x="6353749" y="2092671"/>
                 <a:ext cx="283154" cy="276999"/>
               </a:xfrm>
               <a:prstGeom prst="rect">
@@ -4332,6 +4298,7 @@
               </a:bodyPr>
               <a:lstStyle/>
               <a:p>
+                <a:pPr/>
                 <a14:m>
                   <m:oMathPara xmlns:m="http://schemas.openxmlformats.org/officeDocument/2006/math">
                     <m:oMathParaPr>
@@ -4382,7 +4349,7 @@
             </p:nvSpPr>
             <p:spPr>
               <a:xfrm>
-                <a:off x="7226167" y="2147477"/>
+                <a:off x="6353749" y="2092671"/>
                 <a:ext cx="283154" cy="276999"/>
               </a:xfrm>
               <a:prstGeom prst="rect">
@@ -4420,7 +4387,7 @@
             </p:nvSpPr>
             <p:spPr>
               <a:xfrm>
-                <a:off x="8054646" y="2709076"/>
+                <a:off x="4518568" y="2718602"/>
                 <a:ext cx="288477" cy="276999"/>
               </a:xfrm>
               <a:prstGeom prst="rect">
@@ -4434,6 +4401,7 @@
               </a:bodyPr>
               <a:lstStyle/>
               <a:p>
+                <a:pPr/>
                 <a14:m>
                   <m:oMathPara xmlns:m="http://schemas.openxmlformats.org/officeDocument/2006/math">
                     <m:oMathParaPr>
@@ -4484,7 +4452,7 @@
             </p:nvSpPr>
             <p:spPr>
               <a:xfrm>
-                <a:off x="8054646" y="2709076"/>
+                <a:off x="4518568" y="2718602"/>
                 <a:ext cx="288477" cy="276999"/>
               </a:xfrm>
               <a:prstGeom prst="rect">
@@ -4493,7 +4461,7 @@
               <a:blipFill rotWithShape="0">
                 <a:blip r:embed="rId5"/>
                 <a:stretch>
-                  <a:fillRect l="-20833" r="-6250" b="-15217"/>
+                  <a:fillRect l="-20833" r="-6250" b="-15556"/>
                 </a:stretch>
               </a:blipFill>
             </p:spPr>
@@ -4517,14 +4485,14 @@
           <p:cNvPr id="37" name="直接箭头连接符 36"/>
           <p:cNvCxnSpPr>
             <a:stCxn id="32" idx="0"/>
-            <a:endCxn id="19" idx="2"/>
+            <a:endCxn id="18" idx="2"/>
           </p:cNvCxnSpPr>
           <p:nvPr/>
         </p:nvCxnSpPr>
         <p:spPr>
-          <a:xfrm flipV="1">
-            <a:off x="4526901" y="2717085"/>
-            <a:ext cx="1900335" cy="301561"/>
+          <a:xfrm flipH="1" flipV="1">
+            <a:off x="7381619" y="2707559"/>
+            <a:ext cx="1091082" cy="301565"/>
           </a:xfrm>
           <a:prstGeom prst="straightConnector1">
             <a:avLst/>
@@ -4560,8 +4528,8 @@
         </p:nvSpPr>
         <p:spPr>
           <a:xfrm>
-            <a:off x="3769568" y="1294673"/>
-            <a:ext cx="5365101" cy="2265150"/>
+            <a:off x="4168103" y="1294673"/>
+            <a:ext cx="4966566" cy="2265150"/>
           </a:xfrm>
           <a:prstGeom prst="roundRect">
             <a:avLst/>
@@ -4569,7 +4537,10 @@
           <a:noFill/>
           <a:ln w="28575">
             <a:solidFill>
-              <a:schemeClr val="tx1"/>
+              <a:schemeClr val="tx1">
+                <a:lumMod val="65000"/>
+                <a:lumOff val="35000"/>
+              </a:schemeClr>
             </a:solidFill>
           </a:ln>
         </p:spPr>
@@ -4606,8 +4577,8 @@
         </p:nvSpPr>
         <p:spPr>
           <a:xfrm>
-            <a:off x="4548354" y="1269490"/>
-            <a:ext cx="3972370" cy="369332"/>
+            <a:off x="4682167" y="1269490"/>
+            <a:ext cx="4045338" cy="369332"/>
           </a:xfrm>
           <a:prstGeom prst="rect">
             <a:avLst/>
@@ -4621,10 +4592,10 @@
           <a:lstStyle/>
           <a:p>
             <a:r>
-              <a:rPr lang="en-US" dirty="0" smtClean="0"/>
+              <a:rPr lang="en-US" b="1" dirty="0" smtClean="0"/>
               <a:t>Abstraction Tree of Environment Models</a:t>
             </a:r>
-            <a:endParaRPr lang="en-US" dirty="0"/>
+            <a:endParaRPr lang="en-US" b="1" dirty="0"/>
           </a:p>
         </p:txBody>
       </p:sp>
@@ -4636,8 +4607,8 @@
         </p:nvSpPr>
         <p:spPr>
           <a:xfrm>
-            <a:off x="9127666" y="2620308"/>
-            <a:ext cx="890300" cy="285451"/>
+            <a:off x="9116514" y="2620308"/>
+            <a:ext cx="1362671" cy="285451"/>
           </a:xfrm>
           <a:prstGeom prst="leftRightArrow">
             <a:avLst/>
@@ -4682,7 +4653,7 @@
         </p:nvSpPr>
         <p:spPr>
           <a:xfrm>
-            <a:off x="9079215" y="2008371"/>
+            <a:off x="9068064" y="2008371"/>
             <a:ext cx="1519967" cy="584775"/>
           </a:xfrm>
           <a:prstGeom prst="rect">
@@ -4720,8 +4691,8 @@
         </p:nvSpPr>
         <p:spPr>
           <a:xfrm>
-            <a:off x="6465573" y="1834624"/>
-            <a:ext cx="121844" cy="523077"/>
+            <a:off x="5344839" y="1769899"/>
+            <a:ext cx="134709" cy="655728"/>
           </a:xfrm>
           <a:prstGeom prst="downArrow">
             <a:avLst/>
@@ -4731,7 +4702,7 @@
           </a:solidFill>
           <a:scene3d>
             <a:camera prst="orthographicFront">
-              <a:rot lat="0" lon="21599951" rev="17220001"/>
+              <a:rot lat="0" lon="21599951" rev="16800000"/>
             </a:camera>
             <a:lightRig rig="threePt" dir="t"/>
           </a:scene3d>
@@ -4769,7 +4740,7 @@
         </p:nvCxnSpPr>
         <p:spPr>
           <a:xfrm>
-            <a:off x="9302499" y="1520210"/>
+            <a:off x="9291348" y="1442153"/>
             <a:ext cx="616790" cy="0"/>
           </a:xfrm>
           <a:prstGeom prst="straightConnector1">
@@ -4805,7 +4776,7 @@
         </p:nvSpPr>
         <p:spPr>
           <a:xfrm>
-            <a:off x="9568524" y="1541739"/>
+            <a:off x="9557373" y="1463682"/>
             <a:ext cx="133150" cy="613580"/>
           </a:xfrm>
           <a:prstGeom prst="downArrow">
@@ -4848,60 +4819,44 @@
       </p:sp>
       <p:sp>
         <p:nvSpPr>
-          <p:cNvPr id="48" name="矩形 47"/>
-          <p:cNvSpPr/>
+          <p:cNvPr id="49" name="文本框 48"/>
+          <p:cNvSpPr txBox="1"/>
           <p:nvPr/>
         </p:nvSpPr>
         <p:spPr>
           <a:xfrm>
-            <a:off x="9256816" y="1359840"/>
-            <a:ext cx="1938592" cy="611108"/>
+            <a:off x="9908138" y="1257487"/>
+            <a:ext cx="1259832" cy="369332"/>
           </a:xfrm>
           <a:prstGeom prst="rect">
             <a:avLst/>
           </a:prstGeom>
           <a:noFill/>
-          <a:ln w="38100">
-            <a:solidFill>
-              <a:schemeClr val="tx1"/>
-            </a:solidFill>
-          </a:ln>
-        </p:spPr>
-        <p:style>
-          <a:lnRef idx="2">
-            <a:schemeClr val="accent1">
-              <a:shade val="50000"/>
-            </a:schemeClr>
-          </a:lnRef>
-          <a:fillRef idx="1">
-            <a:schemeClr val="accent1"/>
-          </a:fillRef>
-          <a:effectRef idx="0">
-            <a:schemeClr val="accent1"/>
-          </a:effectRef>
-          <a:fontRef idx="minor">
-            <a:schemeClr val="lt1"/>
-          </a:fontRef>
-        </p:style>
-        <p:txBody>
-          <a:bodyPr rtlCol="0" anchor="ctr"/>
-          <a:lstStyle/>
-          <a:p>
-            <a:pPr algn="ctr"/>
-            <a:endParaRPr lang="en-US"/>
-          </a:p>
-        </p:txBody>
-      </p:sp>
-      <p:sp>
-        <p:nvSpPr>
-          <p:cNvPr id="49" name="文本框 48"/>
+        </p:spPr>
+        <p:txBody>
+          <a:bodyPr wrap="none" rtlCol="0">
+            <a:spAutoFit/>
+          </a:bodyPr>
+          <a:lstStyle/>
+          <a:p>
+            <a:r>
+              <a:rPr lang="en-US" dirty="0" smtClean="0"/>
+              <a:t>Abstraction</a:t>
+            </a:r>
+            <a:endParaRPr lang="en-US" dirty="0"/>
+          </a:p>
+        </p:txBody>
+      </p:sp>
+      <p:sp>
+        <p:nvSpPr>
+          <p:cNvPr id="50" name="文本框 49"/>
           <p:cNvSpPr txBox="1"/>
           <p:nvPr/>
         </p:nvSpPr>
         <p:spPr>
           <a:xfrm>
-            <a:off x="9919289" y="1335544"/>
-            <a:ext cx="1259832" cy="369332"/>
+            <a:off x="9908138" y="1547855"/>
+            <a:ext cx="1276119" cy="369332"/>
           </a:xfrm>
           <a:prstGeom prst="rect">
             <a:avLst/>
@@ -4916,36 +4871,6 @@
           <a:p>
             <a:r>
               <a:rPr lang="en-US" dirty="0" smtClean="0"/>
-              <a:t>Abstraction</a:t>
-            </a:r>
-            <a:endParaRPr lang="en-US" dirty="0"/>
-          </a:p>
-        </p:txBody>
-      </p:sp>
-      <p:sp>
-        <p:nvSpPr>
-          <p:cNvPr id="50" name="文本框 49"/>
-          <p:cNvSpPr txBox="1"/>
-          <p:nvPr/>
-        </p:nvSpPr>
-        <p:spPr>
-          <a:xfrm>
-            <a:off x="9919289" y="1625912"/>
-            <a:ext cx="1276119" cy="369332"/>
-          </a:xfrm>
-          <a:prstGeom prst="rect">
-            <a:avLst/>
-          </a:prstGeom>
-          <a:noFill/>
-        </p:spPr>
-        <p:txBody>
-          <a:bodyPr wrap="none" rtlCol="0">
-            <a:spAutoFit/>
-          </a:bodyPr>
-          <a:lstStyle/>
-          <a:p>
-            <a:r>
-              <a:rPr lang="en-US" dirty="0" smtClean="0"/>
               <a:t>Refinement</a:t>
             </a:r>
             <a:endParaRPr lang="en-US" dirty="0"/>
@@ -4960,7 +4885,7 @@
         </p:nvSpPr>
         <p:spPr>
           <a:xfrm>
-            <a:off x="8159228" y="1867291"/>
+            <a:off x="7189239" y="1875556"/>
             <a:ext cx="112986" cy="506505"/>
           </a:xfrm>
           <a:prstGeom prst="downArrow">
@@ -5009,7 +4934,7 @@
         </p:nvSpPr>
         <p:spPr>
           <a:xfrm>
-            <a:off x="8448012" y="2754224"/>
+            <a:off x="4911934" y="2763750"/>
             <a:ext cx="128303" cy="238750"/>
           </a:xfrm>
           <a:prstGeom prst="downArrow">
@@ -5048,18 +4973,18 @@
         <p:nvCxnSpPr>
           <p:cNvPr id="54" name="肘形连接符 53"/>
           <p:cNvCxnSpPr>
-            <a:stCxn id="19" idx="3"/>
+            <a:stCxn id="18" idx="1"/>
           </p:cNvCxnSpPr>
           <p:nvPr/>
         </p:nvCxnSpPr>
         <p:spPr>
-          <a:xfrm>
-            <a:off x="6963746" y="2502481"/>
-            <a:ext cx="2362849" cy="1203877"/>
+          <a:xfrm rot="10800000" flipH="1" flipV="1">
+            <a:off x="6845108" y="2492954"/>
+            <a:ext cx="2541695" cy="1213403"/>
           </a:xfrm>
           <a:prstGeom prst="bentConnector3">
             <a:avLst>
-              <a:gd name="adj1" fmla="val 31860"/>
+              <a:gd name="adj1" fmla="val -6362"/>
             </a:avLst>
           </a:prstGeom>
           <a:ln w="28575">
@@ -5094,8 +5019,8 @@
         </p:nvCxnSpPr>
         <p:spPr>
           <a:xfrm rot="16200000" flipH="1">
-            <a:off x="8698737" y="3070711"/>
-            <a:ext cx="272244" cy="983473"/>
+            <a:off x="6958980" y="1283917"/>
+            <a:ext cx="275889" cy="4579758"/>
           </a:xfrm>
           <a:prstGeom prst="bentConnector2">
             <a:avLst/>
@@ -5144,7 +5069,7 @@
         </p:blipFill>
         <p:spPr>
           <a:xfrm>
-            <a:off x="9479256" y="3158346"/>
+            <a:off x="9468105" y="3158346"/>
             <a:ext cx="743037" cy="720224"/>
           </a:xfrm>
           <a:prstGeom prst="rect">
@@ -5160,8 +5085,8 @@
         </p:nvSpPr>
         <p:spPr>
           <a:xfrm>
-            <a:off x="6748265" y="3694298"/>
-            <a:ext cx="2598532" cy="523220"/>
+            <a:off x="5664626" y="3694298"/>
+            <a:ext cx="2803204" cy="523220"/>
           </a:xfrm>
           <a:prstGeom prst="rect">
             <a:avLst/>
@@ -5177,7 +5102,11 @@
             <a:pPr algn="ctr"/>
             <a:r>
               <a:rPr lang="en-US" sz="1400" dirty="0" smtClean="0"/>
-              <a:t>Concrete counter-examples with </a:t>
+              <a:t>Concretized </a:t>
+            </a:r>
+            <a:r>
+              <a:rPr lang="en-US" sz="1400" dirty="0" smtClean="0"/>
+              <a:t>counter-examples with </a:t>
             </a:r>
           </a:p>
           <a:p>
@@ -5198,8 +5127,8 @@
         </p:nvSpPr>
         <p:spPr>
           <a:xfrm>
-            <a:off x="9373086" y="3807388"/>
-            <a:ext cx="1048685" cy="369332"/>
+            <a:off x="9361935" y="3807388"/>
+            <a:ext cx="976358" cy="338554"/>
           </a:xfrm>
           <a:prstGeom prst="rect">
             <a:avLst/>
@@ -5213,10 +5142,10 @@
           <a:lstStyle/>
           <a:p>
             <a:r>
-              <a:rPr lang="en-US" dirty="0" smtClean="0"/>
+              <a:rPr lang="en-US" sz="1600" b="1" dirty="0" smtClean="0"/>
               <a:t>Physician</a:t>
             </a:r>
-            <a:endParaRPr lang="en-US" dirty="0"/>
+            <a:endParaRPr lang="en-US" b="1" dirty="0"/>
           </a:p>
         </p:txBody>
       </p:sp>
@@ -5228,7 +5157,7 @@
         </p:nvSpPr>
         <p:spPr>
           <a:xfrm>
-            <a:off x="840988" y="1269490"/>
+            <a:off x="1201734" y="3706358"/>
             <a:ext cx="529312" cy="461665"/>
           </a:xfrm>
           <a:prstGeom prst="rect">
@@ -5258,7 +5187,7 @@
         </p:nvSpPr>
         <p:spPr>
           <a:xfrm>
-            <a:off x="3823813" y="3692912"/>
+            <a:off x="4109758" y="3691765"/>
             <a:ext cx="542136" cy="461665"/>
           </a:xfrm>
           <a:prstGeom prst="rect">
@@ -5290,8 +5219,8 @@
         </p:nvCxnSpPr>
         <p:spPr>
           <a:xfrm>
-            <a:off x="2995128" y="3223729"/>
-            <a:ext cx="624453" cy="0"/>
+            <a:off x="3432230" y="3223729"/>
+            <a:ext cx="566485" cy="0"/>
           </a:xfrm>
           <a:prstGeom prst="straightConnector1">
             <a:avLst/>
@@ -5326,7 +5255,7 @@
         </p:nvSpPr>
         <p:spPr>
           <a:xfrm>
-            <a:off x="10297380" y="3622722"/>
+            <a:off x="10286229" y="3678477"/>
             <a:ext cx="630301" cy="369332"/>
           </a:xfrm>
           <a:prstGeom prst="rect">
@@ -5356,7 +5285,7 @@
         </p:nvCxnSpPr>
         <p:spPr>
           <a:xfrm>
-            <a:off x="10320708" y="3658127"/>
+            <a:off x="10309557" y="3713882"/>
             <a:ext cx="624453" cy="0"/>
           </a:xfrm>
           <a:prstGeom prst="straightConnector1">
@@ -5392,7 +5321,7 @@
         </p:nvCxnSpPr>
         <p:spPr>
           <a:xfrm>
-            <a:off x="3659585" y="1269490"/>
+            <a:off x="4038719" y="1269490"/>
             <a:ext cx="0" cy="2854641"/>
           </a:xfrm>
           <a:prstGeom prst="line">
@@ -5420,6 +5349,276 @@
           </a:fontRef>
         </p:style>
       </p:cxnSp>
+      <p:pic>
+        <p:nvPicPr>
+          <p:cNvPr id="6" name="图片 5"/>
+          <p:cNvPicPr>
+            <a:picLocks noChangeAspect="1"/>
+          </p:cNvPicPr>
+          <p:nvPr/>
+        </p:nvPicPr>
+        <p:blipFill>
+          <a:blip r:embed="rId7" cstate="print">
+            <a:extLst>
+              <a:ext uri="{28A0092B-C50C-407E-A947-70E740481C1C}">
+                <a14:useLocalDpi xmlns:a14="http://schemas.microsoft.com/office/drawing/2010/main" val="0"/>
+              </a:ext>
+            </a:extLst>
+          </a:blip>
+          <a:stretch>
+            <a:fillRect/>
+          </a:stretch>
+        </p:blipFill>
+        <p:spPr>
+          <a:xfrm>
+            <a:off x="10479186" y="2388657"/>
+            <a:ext cx="733483" cy="753364"/>
+          </a:xfrm>
+          <a:prstGeom prst="rect">
+            <a:avLst/>
+          </a:prstGeom>
+        </p:spPr>
+      </p:pic>
+      <p:sp>
+        <p:nvSpPr>
+          <p:cNvPr id="20" name="文本框 19"/>
+          <p:cNvSpPr txBox="1"/>
+          <p:nvPr/>
+        </p:nvSpPr>
+        <p:spPr>
+          <a:xfrm>
+            <a:off x="10366293" y="3038837"/>
+            <a:ext cx="1000146" cy="307777"/>
+          </a:xfrm>
+          <a:prstGeom prst="rect">
+            <a:avLst/>
+          </a:prstGeom>
+          <a:noFill/>
+        </p:spPr>
+        <p:txBody>
+          <a:bodyPr wrap="none" rtlCol="0">
+            <a:spAutoFit/>
+          </a:bodyPr>
+          <a:lstStyle/>
+          <a:p>
+            <a:r>
+              <a:rPr lang="en-US" sz="1400" b="1" dirty="0" smtClean="0"/>
+              <a:t>Pacemaker</a:t>
+            </a:r>
+            <a:endParaRPr lang="en-US" sz="1400" b="1" dirty="0"/>
+          </a:p>
+        </p:txBody>
+      </p:sp>
+      <p:cxnSp>
+        <p:nvCxnSpPr>
+          <p:cNvPr id="36" name="直接连接符 35"/>
+          <p:cNvCxnSpPr/>
+          <p:nvPr/>
+        </p:nvCxnSpPr>
+        <p:spPr>
+          <a:xfrm>
+            <a:off x="2607824" y="2628546"/>
+            <a:ext cx="0" cy="382541"/>
+          </a:xfrm>
+          <a:prstGeom prst="line">
+            <a:avLst/>
+          </a:prstGeom>
+          <a:ln w="28575">
+            <a:solidFill>
+              <a:schemeClr val="tx1"/>
+            </a:solidFill>
+            <a:prstDash val="sysDot"/>
+          </a:ln>
+        </p:spPr>
+        <p:style>
+          <a:lnRef idx="1">
+            <a:schemeClr val="accent1"/>
+          </a:lnRef>
+          <a:fillRef idx="0">
+            <a:schemeClr val="accent1"/>
+          </a:fillRef>
+          <a:effectRef idx="0">
+            <a:schemeClr val="accent1"/>
+          </a:effectRef>
+          <a:fontRef idx="minor">
+            <a:schemeClr val="tx1"/>
+          </a:fontRef>
+        </p:style>
+      </p:cxnSp>
+      <p:sp>
+        <p:nvSpPr>
+          <p:cNvPr id="69" name="椭圆 68"/>
+          <p:cNvSpPr/>
+          <p:nvPr/>
+        </p:nvSpPr>
+        <p:spPr>
+          <a:xfrm>
+            <a:off x="6087261" y="2186280"/>
+            <a:ext cx="247825" cy="247825"/>
+          </a:xfrm>
+          <a:prstGeom prst="ellipse">
+            <a:avLst/>
+          </a:prstGeom>
+          <a:solidFill>
+            <a:schemeClr val="tx1"/>
+          </a:solidFill>
+          <a:ln>
+            <a:solidFill>
+              <a:schemeClr val="tx1"/>
+            </a:solidFill>
+          </a:ln>
+        </p:spPr>
+        <p:style>
+          <a:lnRef idx="2">
+            <a:schemeClr val="accent1">
+              <a:shade val="50000"/>
+            </a:schemeClr>
+          </a:lnRef>
+          <a:fillRef idx="1">
+            <a:schemeClr val="accent1"/>
+          </a:fillRef>
+          <a:effectRef idx="0">
+            <a:schemeClr val="accent1"/>
+          </a:effectRef>
+          <a:fontRef idx="minor">
+            <a:schemeClr val="lt1"/>
+          </a:fontRef>
+        </p:style>
+        <p:txBody>
+          <a:bodyPr rtlCol="0" anchor="ctr"/>
+          <a:lstStyle/>
+          <a:p>
+            <a:pPr algn="ctr"/>
+            <a:r>
+              <a:rPr lang="en-US" b="1" dirty="0" smtClean="0">
+                <a:latin typeface="Arial" panose="020B0604020202020204" pitchFamily="34" charset="0"/>
+                <a:cs typeface="Arial" panose="020B0604020202020204" pitchFamily="34" charset="0"/>
+              </a:rPr>
+              <a:t>1</a:t>
+            </a:r>
+            <a:endParaRPr lang="en-US" b="1" dirty="0">
+              <a:latin typeface="Arial" panose="020B0604020202020204" pitchFamily="34" charset="0"/>
+              <a:cs typeface="Arial" panose="020B0604020202020204" pitchFamily="34" charset="0"/>
+            </a:endParaRPr>
+          </a:p>
+        </p:txBody>
+      </p:sp>
+      <p:sp>
+        <p:nvSpPr>
+          <p:cNvPr id="74" name="椭圆 73"/>
+          <p:cNvSpPr/>
+          <p:nvPr/>
+        </p:nvSpPr>
+        <p:spPr>
+          <a:xfrm>
+            <a:off x="5075532" y="2726116"/>
+            <a:ext cx="247825" cy="247825"/>
+          </a:xfrm>
+          <a:prstGeom prst="ellipse">
+            <a:avLst/>
+          </a:prstGeom>
+          <a:solidFill>
+            <a:schemeClr val="tx1"/>
+          </a:solidFill>
+          <a:ln>
+            <a:solidFill>
+              <a:schemeClr val="tx1"/>
+            </a:solidFill>
+          </a:ln>
+        </p:spPr>
+        <p:style>
+          <a:lnRef idx="2">
+            <a:schemeClr val="accent1">
+              <a:shade val="50000"/>
+            </a:schemeClr>
+          </a:lnRef>
+          <a:fillRef idx="1">
+            <a:schemeClr val="accent1"/>
+          </a:fillRef>
+          <a:effectRef idx="0">
+            <a:schemeClr val="accent1"/>
+          </a:effectRef>
+          <a:fontRef idx="minor">
+            <a:schemeClr val="lt1"/>
+          </a:fontRef>
+        </p:style>
+        <p:txBody>
+          <a:bodyPr rtlCol="0" anchor="ctr"/>
+          <a:lstStyle/>
+          <a:p>
+            <a:pPr algn="ctr"/>
+            <a:r>
+              <a:rPr lang="en-US" b="1" dirty="0" smtClean="0">
+                <a:latin typeface="Arial" panose="020B0604020202020204" pitchFamily="34" charset="0"/>
+                <a:cs typeface="Arial" panose="020B0604020202020204" pitchFamily="34" charset="0"/>
+              </a:rPr>
+              <a:t>2</a:t>
+            </a:r>
+            <a:endParaRPr lang="en-US" b="1" dirty="0">
+              <a:latin typeface="Arial" panose="020B0604020202020204" pitchFamily="34" charset="0"/>
+              <a:cs typeface="Arial" panose="020B0604020202020204" pitchFamily="34" charset="0"/>
+            </a:endParaRPr>
+          </a:p>
+        </p:txBody>
+      </p:sp>
+      <p:sp>
+        <p:nvSpPr>
+          <p:cNvPr id="82" name="椭圆 81"/>
+          <p:cNvSpPr/>
+          <p:nvPr/>
+        </p:nvSpPr>
+        <p:spPr>
+          <a:xfrm>
+            <a:off x="7964661" y="2365461"/>
+            <a:ext cx="247825" cy="247825"/>
+          </a:xfrm>
+          <a:prstGeom prst="ellipse">
+            <a:avLst/>
+          </a:prstGeom>
+          <a:solidFill>
+            <a:schemeClr val="tx1"/>
+          </a:solidFill>
+          <a:ln>
+            <a:solidFill>
+              <a:schemeClr val="tx1"/>
+            </a:solidFill>
+          </a:ln>
+        </p:spPr>
+        <p:style>
+          <a:lnRef idx="2">
+            <a:schemeClr val="accent1">
+              <a:shade val="50000"/>
+            </a:schemeClr>
+          </a:lnRef>
+          <a:fillRef idx="1">
+            <a:schemeClr val="accent1"/>
+          </a:fillRef>
+          <a:effectRef idx="0">
+            <a:schemeClr val="accent1"/>
+          </a:effectRef>
+          <a:fontRef idx="minor">
+            <a:schemeClr val="lt1"/>
+          </a:fontRef>
+        </p:style>
+        <p:txBody>
+          <a:bodyPr rtlCol="0" anchor="ctr"/>
+          <a:lstStyle/>
+          <a:p>
+            <a:pPr algn="ctr"/>
+            <a:r>
+              <a:rPr lang="en-US" b="1" dirty="0" smtClean="0">
+                <a:latin typeface="Arial" panose="020B0604020202020204" pitchFamily="34" charset="0"/>
+                <a:cs typeface="Arial" panose="020B0604020202020204" pitchFamily="34" charset="0"/>
+              </a:rPr>
+              <a:t>3</a:t>
+            </a:r>
+            <a:endParaRPr lang="en-US" b="1" dirty="0">
+              <a:latin typeface="Arial" panose="020B0604020202020204" pitchFamily="34" charset="0"/>
+              <a:cs typeface="Arial" panose="020B0604020202020204" pitchFamily="34" charset="0"/>
+            </a:endParaRPr>
+          </a:p>
+        </p:txBody>
+      </p:sp>
     </p:spTree>
     <p:extLst>
       <p:ext uri="{BB962C8B-B14F-4D97-AF65-F5344CB8AC3E}">

--- a/figs/distinction.pptx
+++ b/figs/distinction.pptx
@@ -3156,8 +3156,8 @@
           </a:fontRef>
         </p:style>
       </p:cxnSp>
-      <mc:AlternateContent xmlns:mc="http://schemas.openxmlformats.org/markup-compatibility/2006">
-        <mc:Choice xmlns:a14="http://schemas.microsoft.com/office/drawing/2010/main" Requires="a14">
+      <mc:AlternateContent xmlns:mc="http://schemas.openxmlformats.org/markup-compatibility/2006" xmlns:a14="http://schemas.microsoft.com/office/drawing/2010/main">
+        <mc:Choice Requires="a14">
           <p:sp>
             <p:nvSpPr>
               <p:cNvPr id="8" name="文本框 7"/>
@@ -3234,7 +3234,7 @@
             </p:txBody>
           </p:sp>
         </mc:Choice>
-        <mc:Fallback>
+        <mc:Fallback xmlns="">
           <p:sp>
             <p:nvSpPr>
               <p:cNvPr id="8" name="文本框 7"/>
@@ -3422,15 +3422,7 @@
                   <a:schemeClr val="tx1"/>
                 </a:solidFill>
               </a:rPr>
-              <a:t>Refinement </a:t>
-            </a:r>
-            <a:r>
-              <a:rPr lang="en-US" sz="1400" dirty="0" smtClean="0">
-                <a:solidFill>
-                  <a:schemeClr val="tx1"/>
-                </a:solidFill>
-              </a:rPr>
-              <a:t>N</a:t>
+              <a:t>Refinement N</a:t>
             </a:r>
             <a:endParaRPr lang="en-US" sz="1400" dirty="0">
               <a:solidFill>
@@ -3581,11 +3573,7 @@
             <a:pPr algn="ctr"/>
             <a:r>
               <a:rPr lang="en-US" sz="1200" dirty="0" smtClean="0"/>
-              <a:t>Counter-example </a:t>
-            </a:r>
-            <a:r>
-              <a:rPr lang="en-US" sz="1200" dirty="0" smtClean="0"/>
-              <a:t>N</a:t>
+              <a:t>Counter-example N</a:t>
             </a:r>
             <a:endParaRPr lang="en-US" sz="1200" dirty="0"/>
           </a:p>
@@ -4171,8 +4159,8 @@
           </a:p>
         </p:txBody>
       </p:sp>
-      <mc:AlternateContent xmlns:mc="http://schemas.openxmlformats.org/markup-compatibility/2006">
-        <mc:Choice xmlns:a14="http://schemas.microsoft.com/office/drawing/2010/main" Requires="a14">
+      <mc:AlternateContent xmlns:mc="http://schemas.openxmlformats.org/markup-compatibility/2006" xmlns:a14="http://schemas.microsoft.com/office/drawing/2010/main">
+        <mc:Choice Requires="a14">
           <p:sp>
             <p:nvSpPr>
               <p:cNvPr id="33" name="文本框 32"/>
@@ -4235,7 +4223,7 @@
             </p:txBody>
           </p:sp>
         </mc:Choice>
-        <mc:Fallback>
+        <mc:Fallback xmlns="">
           <p:sp>
             <p:nvSpPr>
               <p:cNvPr id="33" name="文本框 32"/>
@@ -4274,8 +4262,8 @@
           </p:sp>
         </mc:Fallback>
       </mc:AlternateContent>
-      <mc:AlternateContent xmlns:mc="http://schemas.openxmlformats.org/markup-compatibility/2006">
-        <mc:Choice xmlns:a14="http://schemas.microsoft.com/office/drawing/2010/main" Requires="a14">
+      <mc:AlternateContent xmlns:mc="http://schemas.openxmlformats.org/markup-compatibility/2006" xmlns:a14="http://schemas.microsoft.com/office/drawing/2010/main">
+        <mc:Choice Requires="a14">
           <p:sp>
             <p:nvSpPr>
               <p:cNvPr id="34" name="文本框 33"/>
@@ -4338,7 +4326,7 @@
             </p:txBody>
           </p:sp>
         </mc:Choice>
-        <mc:Fallback>
+        <mc:Fallback xmlns="">
           <p:sp>
             <p:nvSpPr>
               <p:cNvPr id="34" name="文本框 33"/>
@@ -4377,8 +4365,8 @@
           </p:sp>
         </mc:Fallback>
       </mc:AlternateContent>
-      <mc:AlternateContent xmlns:mc="http://schemas.openxmlformats.org/markup-compatibility/2006">
-        <mc:Choice xmlns:a14="http://schemas.microsoft.com/office/drawing/2010/main" Requires="a14">
+      <mc:AlternateContent xmlns:mc="http://schemas.openxmlformats.org/markup-compatibility/2006" xmlns:a14="http://schemas.microsoft.com/office/drawing/2010/main">
+        <mc:Choice Requires="a14">
           <p:sp>
             <p:nvSpPr>
               <p:cNvPr id="35" name="文本框 34"/>
@@ -4441,7 +4429,7 @@
             </p:txBody>
           </p:sp>
         </mc:Choice>
-        <mc:Fallback>
+        <mc:Fallback xmlns="">
           <p:sp>
             <p:nvSpPr>
               <p:cNvPr id="35" name="文本框 34"/>
@@ -5085,7 +5073,7 @@
         </p:nvSpPr>
         <p:spPr>
           <a:xfrm>
-            <a:off x="5664626" y="3694298"/>
+            <a:off x="5728188" y="3684022"/>
             <a:ext cx="2803204" cy="523220"/>
           </a:xfrm>
           <a:prstGeom prst="rect">
@@ -5102,11 +5090,7 @@
             <a:pPr algn="ctr"/>
             <a:r>
               <a:rPr lang="en-US" sz="1400" dirty="0" smtClean="0"/>
-              <a:t>Concretized </a:t>
-            </a:r>
-            <a:r>
-              <a:rPr lang="en-US" sz="1400" dirty="0" smtClean="0"/>
-              <a:t>counter-examples with </a:t>
+              <a:t>Concretized counter-examples with </a:t>
             </a:r>
           </a:p>
           <a:p>
@@ -5453,7 +5437,7 @@
         </p:nvSpPr>
         <p:spPr>
           <a:xfrm>
-            <a:off x="6087261" y="2186280"/>
+            <a:off x="5551431" y="2745466"/>
             <a:ext cx="247825" cy="247825"/>
           </a:xfrm>
           <a:prstGeom prst="ellipse">
@@ -5511,7 +5495,7 @@
         </p:nvSpPr>
         <p:spPr>
           <a:xfrm>
-            <a:off x="5075532" y="2726116"/>
+            <a:off x="8311251" y="2726611"/>
             <a:ext cx="247825" cy="247825"/>
           </a:xfrm>
           <a:prstGeom prst="ellipse">
@@ -5569,7 +5553,7 @@
         </p:nvSpPr>
         <p:spPr>
           <a:xfrm>
-            <a:off x="7964661" y="2365461"/>
+            <a:off x="5551191" y="3842031"/>
             <a:ext cx="247825" cy="247825"/>
           </a:xfrm>
           <a:prstGeom prst="ellipse">
